--- a/screen_shot.pptx
+++ b/screen_shot.pptx
@@ -2,12 +2,12 @@
 <file path=ppt/presentation.xml><?xml version="1.0" encoding="utf-8"?>
 <p:presentation xmlns:a="http://schemas.openxmlformats.org/drawingml/2006/main" xmlns:r="http://schemas.openxmlformats.org/officeDocument/2006/relationships" xmlns:p="http://schemas.openxmlformats.org/presentationml/2006/main" saveSubsetFonts="1">
   <p:sldMasterIdLst>
-    <p:sldMasterId id="2147483660" r:id="rId1"/>
+    <p:sldMasterId id="2147483672" r:id="rId1"/>
   </p:sldMasterIdLst>
   <p:sldIdLst>
     <p:sldId id="256" r:id="rId2"/>
   </p:sldIdLst>
-  <p:sldSz cx="9144000" cy="6858000" type="screen4x3"/>
+  <p:sldSz cx="12192000" cy="6858000"/>
   <p:notesSz cx="6858000" cy="9144000"/>
   <p:defaultTextStyle>
     <a:defPPr>
@@ -104,6 +104,11 @@
       </a:defRPr>
     </a:lvl9pPr>
   </p:defaultTextStyle>
+  <p:extLst>
+    <p:ext uri="{EFAFB233-063F-42B5-8137-9DF3F51BA10A}">
+      <p15:sldGuideLst xmlns:p15="http://schemas.microsoft.com/office/powerpoint/2012/main"/>
+    </p:ext>
+  </p:extLst>
 </p:presentation>
 </file>
 
@@ -136,8 +141,8 @@
         </p:nvSpPr>
         <p:spPr>
           <a:xfrm>
-            <a:off x="685800" y="1122363"/>
-            <a:ext cx="7772400" cy="2387600"/>
+            <a:off x="1524000" y="1122363"/>
+            <a:ext cx="9144000" cy="2387600"/>
           </a:xfrm>
         </p:spPr>
         <p:txBody>
@@ -168,8 +173,8 @@
         </p:nvSpPr>
         <p:spPr>
           <a:xfrm>
-            <a:off x="1143000" y="3602038"/>
-            <a:ext cx="6858000" cy="1655762"/>
+            <a:off x="1524000" y="3602038"/>
+            <a:ext cx="9144000" cy="1655762"/>
           </a:xfrm>
         </p:spPr>
         <p:txBody>
@@ -238,7 +243,7 @@
           <a:p>
             <a:fld id="{7F320D5F-87AE-4F9B-AA29-07F12C751EA5}" type="datetimeFigureOut">
               <a:rPr kumimoji="1" lang="ja-JP" altLang="en-US" smtClean="0"/>
-              <a:t>2024/7/25</a:t>
+              <a:t>2024/8/29</a:t>
             </a:fld>
             <a:endParaRPr kumimoji="1" lang="ja-JP" altLang="en-US"/>
           </a:p>
@@ -289,7 +294,7 @@
     </p:spTree>
     <p:extLst>
       <p:ext uri="{BB962C8B-B14F-4D97-AF65-F5344CB8AC3E}">
-        <p14:creationId xmlns:p14="http://schemas.microsoft.com/office/powerpoint/2010/main" val="115338167"/>
+        <p14:creationId xmlns:p14="http://schemas.microsoft.com/office/powerpoint/2010/main" val="3372397190"/>
       </p:ext>
     </p:extLst>
   </p:cSld>
@@ -440,7 +445,7 @@
           <a:p>
             <a:fld id="{7F320D5F-87AE-4F9B-AA29-07F12C751EA5}" type="datetimeFigureOut">
               <a:rPr kumimoji="1" lang="ja-JP" altLang="en-US" smtClean="0"/>
-              <a:t>2024/7/25</a:t>
+              <a:t>2024/8/29</a:t>
             </a:fld>
             <a:endParaRPr kumimoji="1" lang="ja-JP" altLang="en-US"/>
           </a:p>
@@ -491,7 +496,7 @@
     </p:spTree>
     <p:extLst>
       <p:ext uri="{BB962C8B-B14F-4D97-AF65-F5344CB8AC3E}">
-        <p14:creationId xmlns:p14="http://schemas.microsoft.com/office/powerpoint/2010/main" val="1452589580"/>
+        <p14:creationId xmlns:p14="http://schemas.microsoft.com/office/powerpoint/2010/main" val="643038255"/>
       </p:ext>
     </p:extLst>
   </p:cSld>
@@ -530,8 +535,8 @@
         </p:nvSpPr>
         <p:spPr>
           <a:xfrm>
-            <a:off x="6543675" y="365125"/>
-            <a:ext cx="1971675" cy="5811838"/>
+            <a:off x="8724900" y="365125"/>
+            <a:ext cx="2628900" cy="5811838"/>
           </a:xfrm>
         </p:spPr>
         <p:txBody>
@@ -558,8 +563,8 @@
         </p:nvSpPr>
         <p:spPr>
           <a:xfrm>
-            <a:off x="628650" y="365125"/>
-            <a:ext cx="5800725" cy="5811838"/>
+            <a:off x="838200" y="365125"/>
+            <a:ext cx="7734300" cy="5811838"/>
           </a:xfrm>
         </p:spPr>
         <p:txBody>
@@ -652,7 +657,7 @@
           <a:p>
             <a:fld id="{7F320D5F-87AE-4F9B-AA29-07F12C751EA5}" type="datetimeFigureOut">
               <a:rPr kumimoji="1" lang="ja-JP" altLang="en-US" smtClean="0"/>
-              <a:t>2024/7/25</a:t>
+              <a:t>2024/8/29</a:t>
             </a:fld>
             <a:endParaRPr kumimoji="1" lang="ja-JP" altLang="en-US"/>
           </a:p>
@@ -703,7 +708,7 @@
     </p:spTree>
     <p:extLst>
       <p:ext uri="{BB962C8B-B14F-4D97-AF65-F5344CB8AC3E}">
-        <p14:creationId xmlns:p14="http://schemas.microsoft.com/office/powerpoint/2010/main" val="1625523739"/>
+        <p14:creationId xmlns:p14="http://schemas.microsoft.com/office/powerpoint/2010/main" val="3840772466"/>
       </p:ext>
     </p:extLst>
   </p:cSld>
@@ -854,7 +859,7 @@
           <a:p>
             <a:fld id="{7F320D5F-87AE-4F9B-AA29-07F12C751EA5}" type="datetimeFigureOut">
               <a:rPr kumimoji="1" lang="ja-JP" altLang="en-US" smtClean="0"/>
-              <a:t>2024/7/25</a:t>
+              <a:t>2024/8/29</a:t>
             </a:fld>
             <a:endParaRPr kumimoji="1" lang="ja-JP" altLang="en-US"/>
           </a:p>
@@ -905,7 +910,7 @@
     </p:spTree>
     <p:extLst>
       <p:ext uri="{BB962C8B-B14F-4D97-AF65-F5344CB8AC3E}">
-        <p14:creationId xmlns:p14="http://schemas.microsoft.com/office/powerpoint/2010/main" val="2923525823"/>
+        <p14:creationId xmlns:p14="http://schemas.microsoft.com/office/powerpoint/2010/main" val="3933202874"/>
       </p:ext>
     </p:extLst>
   </p:cSld>
@@ -944,8 +949,8 @@
         </p:nvSpPr>
         <p:spPr>
           <a:xfrm>
-            <a:off x="623888" y="1709739"/>
-            <a:ext cx="7886700" cy="2852737"/>
+            <a:off x="831850" y="1709738"/>
+            <a:ext cx="10515600" cy="2852737"/>
           </a:xfrm>
         </p:spPr>
         <p:txBody>
@@ -976,8 +981,8 @@
         </p:nvSpPr>
         <p:spPr>
           <a:xfrm>
-            <a:off x="623888" y="4589464"/>
-            <a:ext cx="7886700" cy="1500187"/>
+            <a:off x="831850" y="4589463"/>
+            <a:ext cx="10515600" cy="1500187"/>
           </a:xfrm>
         </p:spPr>
         <p:txBody>
@@ -1100,7 +1105,7 @@
           <a:p>
             <a:fld id="{7F320D5F-87AE-4F9B-AA29-07F12C751EA5}" type="datetimeFigureOut">
               <a:rPr kumimoji="1" lang="ja-JP" altLang="en-US" smtClean="0"/>
-              <a:t>2024/7/25</a:t>
+              <a:t>2024/8/29</a:t>
             </a:fld>
             <a:endParaRPr kumimoji="1" lang="ja-JP" altLang="en-US"/>
           </a:p>
@@ -1151,7 +1156,7 @@
     </p:spTree>
     <p:extLst>
       <p:ext uri="{BB962C8B-B14F-4D97-AF65-F5344CB8AC3E}">
-        <p14:creationId xmlns:p14="http://schemas.microsoft.com/office/powerpoint/2010/main" val="853863926"/>
+        <p14:creationId xmlns:p14="http://schemas.microsoft.com/office/powerpoint/2010/main" val="2174295744"/>
       </p:ext>
     </p:extLst>
   </p:cSld>
@@ -1213,8 +1218,8 @@
         </p:nvSpPr>
         <p:spPr>
           <a:xfrm>
-            <a:off x="628650" y="1825625"/>
-            <a:ext cx="3886200" cy="4351338"/>
+            <a:off x="838200" y="1825625"/>
+            <a:ext cx="5181600" cy="4351338"/>
           </a:xfrm>
         </p:spPr>
         <p:txBody>
@@ -1302,8 +1307,8 @@
         </p:nvSpPr>
         <p:spPr>
           <a:xfrm>
-            <a:off x="4629150" y="1825625"/>
-            <a:ext cx="3886200" cy="4351338"/>
+            <a:off x="6172200" y="1825625"/>
+            <a:ext cx="5181600" cy="4351338"/>
           </a:xfrm>
         </p:spPr>
         <p:txBody>
@@ -1396,7 +1401,7 @@
           <a:p>
             <a:fld id="{7F320D5F-87AE-4F9B-AA29-07F12C751EA5}" type="datetimeFigureOut">
               <a:rPr kumimoji="1" lang="ja-JP" altLang="en-US" smtClean="0"/>
-              <a:t>2024/7/25</a:t>
+              <a:t>2024/8/29</a:t>
             </a:fld>
             <a:endParaRPr kumimoji="1" lang="ja-JP" altLang="en-US"/>
           </a:p>
@@ -1447,7 +1452,7 @@
     </p:spTree>
     <p:extLst>
       <p:ext uri="{BB962C8B-B14F-4D97-AF65-F5344CB8AC3E}">
-        <p14:creationId xmlns:p14="http://schemas.microsoft.com/office/powerpoint/2010/main" val="462850561"/>
+        <p14:creationId xmlns:p14="http://schemas.microsoft.com/office/powerpoint/2010/main" val="3289703839"/>
       </p:ext>
     </p:extLst>
   </p:cSld>
@@ -1486,8 +1491,8 @@
         </p:nvSpPr>
         <p:spPr>
           <a:xfrm>
-            <a:off x="629841" y="365126"/>
-            <a:ext cx="7886700" cy="1325563"/>
+            <a:off x="839788" y="365125"/>
+            <a:ext cx="10515600" cy="1325563"/>
           </a:xfrm>
         </p:spPr>
         <p:txBody>
@@ -1514,8 +1519,8 @@
         </p:nvSpPr>
         <p:spPr>
           <a:xfrm>
-            <a:off x="629842" y="1681163"/>
-            <a:ext cx="3868340" cy="823912"/>
+            <a:off x="839788" y="1681163"/>
+            <a:ext cx="5157787" cy="823912"/>
           </a:xfrm>
         </p:spPr>
         <p:txBody>
@@ -1579,8 +1584,8 @@
         </p:nvSpPr>
         <p:spPr>
           <a:xfrm>
-            <a:off x="629842" y="2505075"/>
-            <a:ext cx="3868340" cy="3684588"/>
+            <a:off x="839788" y="2505075"/>
+            <a:ext cx="5157787" cy="3684588"/>
           </a:xfrm>
         </p:spPr>
         <p:txBody>
@@ -1668,8 +1673,8 @@
         </p:nvSpPr>
         <p:spPr>
           <a:xfrm>
-            <a:off x="4629150" y="1681163"/>
-            <a:ext cx="3887391" cy="823912"/>
+            <a:off x="6172200" y="1681163"/>
+            <a:ext cx="5183188" cy="823912"/>
           </a:xfrm>
         </p:spPr>
         <p:txBody>
@@ -1733,8 +1738,8 @@
         </p:nvSpPr>
         <p:spPr>
           <a:xfrm>
-            <a:off x="4629150" y="2505075"/>
-            <a:ext cx="3887391" cy="3684588"/>
+            <a:off x="6172200" y="2505075"/>
+            <a:ext cx="5183188" cy="3684588"/>
           </a:xfrm>
         </p:spPr>
         <p:txBody>
@@ -1827,7 +1832,7 @@
           <a:p>
             <a:fld id="{7F320D5F-87AE-4F9B-AA29-07F12C751EA5}" type="datetimeFigureOut">
               <a:rPr kumimoji="1" lang="ja-JP" altLang="en-US" smtClean="0"/>
-              <a:t>2024/7/25</a:t>
+              <a:t>2024/8/29</a:t>
             </a:fld>
             <a:endParaRPr kumimoji="1" lang="ja-JP" altLang="en-US"/>
           </a:p>
@@ -1878,7 +1883,7 @@
     </p:spTree>
     <p:extLst>
       <p:ext uri="{BB962C8B-B14F-4D97-AF65-F5344CB8AC3E}">
-        <p14:creationId xmlns:p14="http://schemas.microsoft.com/office/powerpoint/2010/main" val="3124976105"/>
+        <p14:creationId xmlns:p14="http://schemas.microsoft.com/office/powerpoint/2010/main" val="509697082"/>
       </p:ext>
     </p:extLst>
   </p:cSld>
@@ -1945,7 +1950,7 @@
           <a:p>
             <a:fld id="{7F320D5F-87AE-4F9B-AA29-07F12C751EA5}" type="datetimeFigureOut">
               <a:rPr kumimoji="1" lang="ja-JP" altLang="en-US" smtClean="0"/>
-              <a:t>2024/7/25</a:t>
+              <a:t>2024/8/29</a:t>
             </a:fld>
             <a:endParaRPr kumimoji="1" lang="ja-JP" altLang="en-US"/>
           </a:p>
@@ -1996,7 +2001,7 @@
     </p:spTree>
     <p:extLst>
       <p:ext uri="{BB962C8B-B14F-4D97-AF65-F5344CB8AC3E}">
-        <p14:creationId xmlns:p14="http://schemas.microsoft.com/office/powerpoint/2010/main" val="4148680831"/>
+        <p14:creationId xmlns:p14="http://schemas.microsoft.com/office/powerpoint/2010/main" val="754432414"/>
       </p:ext>
     </p:extLst>
   </p:cSld>
@@ -2040,7 +2045,7 @@
           <a:p>
             <a:fld id="{7F320D5F-87AE-4F9B-AA29-07F12C751EA5}" type="datetimeFigureOut">
               <a:rPr kumimoji="1" lang="ja-JP" altLang="en-US" smtClean="0"/>
-              <a:t>2024/7/25</a:t>
+              <a:t>2024/8/29</a:t>
             </a:fld>
             <a:endParaRPr kumimoji="1" lang="ja-JP" altLang="en-US"/>
           </a:p>
@@ -2091,7 +2096,7 @@
     </p:spTree>
     <p:extLst>
       <p:ext uri="{BB962C8B-B14F-4D97-AF65-F5344CB8AC3E}">
-        <p14:creationId xmlns:p14="http://schemas.microsoft.com/office/powerpoint/2010/main" val="515199515"/>
+        <p14:creationId xmlns:p14="http://schemas.microsoft.com/office/powerpoint/2010/main" val="3556669601"/>
       </p:ext>
     </p:extLst>
   </p:cSld>
@@ -2130,8 +2135,8 @@
         </p:nvSpPr>
         <p:spPr>
           <a:xfrm>
-            <a:off x="629841" y="457200"/>
-            <a:ext cx="2949178" cy="1600200"/>
+            <a:off x="839788" y="457200"/>
+            <a:ext cx="3932237" cy="1600200"/>
           </a:xfrm>
         </p:spPr>
         <p:txBody>
@@ -2162,8 +2167,8 @@
         </p:nvSpPr>
         <p:spPr>
           <a:xfrm>
-            <a:off x="3887391" y="987426"/>
-            <a:ext cx="4629150" cy="4873625"/>
+            <a:off x="5183188" y="987425"/>
+            <a:ext cx="6172200" cy="4873625"/>
           </a:xfrm>
         </p:spPr>
         <p:txBody>
@@ -2279,8 +2284,8 @@
         </p:nvSpPr>
         <p:spPr>
           <a:xfrm>
-            <a:off x="629841" y="2057400"/>
-            <a:ext cx="2949178" cy="3811588"/>
+            <a:off x="839788" y="2057400"/>
+            <a:ext cx="3932237" cy="3811588"/>
           </a:xfrm>
         </p:spPr>
         <p:txBody>
@@ -2349,7 +2354,7 @@
           <a:p>
             <a:fld id="{7F320D5F-87AE-4F9B-AA29-07F12C751EA5}" type="datetimeFigureOut">
               <a:rPr kumimoji="1" lang="ja-JP" altLang="en-US" smtClean="0"/>
-              <a:t>2024/7/25</a:t>
+              <a:t>2024/8/29</a:t>
             </a:fld>
             <a:endParaRPr kumimoji="1" lang="ja-JP" altLang="en-US"/>
           </a:p>
@@ -2400,7 +2405,7 @@
     </p:spTree>
     <p:extLst>
       <p:ext uri="{BB962C8B-B14F-4D97-AF65-F5344CB8AC3E}">
-        <p14:creationId xmlns:p14="http://schemas.microsoft.com/office/powerpoint/2010/main" val="1301508734"/>
+        <p14:creationId xmlns:p14="http://schemas.microsoft.com/office/powerpoint/2010/main" val="4187695576"/>
       </p:ext>
     </p:extLst>
   </p:cSld>
@@ -2439,8 +2444,8 @@
         </p:nvSpPr>
         <p:spPr>
           <a:xfrm>
-            <a:off x="629841" y="457200"/>
-            <a:ext cx="2949178" cy="1600200"/>
+            <a:off x="839788" y="457200"/>
+            <a:ext cx="3932237" cy="1600200"/>
           </a:xfrm>
         </p:spPr>
         <p:txBody>
@@ -2471,8 +2476,8 @@
         </p:nvSpPr>
         <p:spPr>
           <a:xfrm>
-            <a:off x="3887391" y="987426"/>
-            <a:ext cx="4629150" cy="4873625"/>
+            <a:off x="5183188" y="987425"/>
+            <a:ext cx="6172200" cy="4873625"/>
           </a:xfrm>
         </p:spPr>
         <p:txBody>
@@ -2536,8 +2541,8 @@
         </p:nvSpPr>
         <p:spPr>
           <a:xfrm>
-            <a:off x="629841" y="2057400"/>
-            <a:ext cx="2949178" cy="3811588"/>
+            <a:off x="839788" y="2057400"/>
+            <a:ext cx="3932237" cy="3811588"/>
           </a:xfrm>
         </p:spPr>
         <p:txBody>
@@ -2606,7 +2611,7 @@
           <a:p>
             <a:fld id="{7F320D5F-87AE-4F9B-AA29-07F12C751EA5}" type="datetimeFigureOut">
               <a:rPr kumimoji="1" lang="ja-JP" altLang="en-US" smtClean="0"/>
-              <a:t>2024/7/25</a:t>
+              <a:t>2024/8/29</a:t>
             </a:fld>
             <a:endParaRPr kumimoji="1" lang="ja-JP" altLang="en-US"/>
           </a:p>
@@ -2657,7 +2662,7 @@
     </p:spTree>
     <p:extLst>
       <p:ext uri="{BB962C8B-B14F-4D97-AF65-F5344CB8AC3E}">
-        <p14:creationId xmlns:p14="http://schemas.microsoft.com/office/powerpoint/2010/main" val="4068950065"/>
+        <p14:creationId xmlns:p14="http://schemas.microsoft.com/office/powerpoint/2010/main" val="1246798682"/>
       </p:ext>
     </p:extLst>
   </p:cSld>
@@ -2701,8 +2706,8 @@
         </p:nvSpPr>
         <p:spPr>
           <a:xfrm>
-            <a:off x="628650" y="365126"/>
-            <a:ext cx="7886700" cy="1325563"/>
+            <a:off x="838200" y="365125"/>
+            <a:ext cx="10515600" cy="1325563"/>
           </a:xfrm>
           <a:prstGeom prst="rect">
             <a:avLst/>
@@ -2734,8 +2739,8 @@
         </p:nvSpPr>
         <p:spPr>
           <a:xfrm>
-            <a:off x="628650" y="1825625"/>
-            <a:ext cx="7886700" cy="4351338"/>
+            <a:off x="838200" y="1825625"/>
+            <a:ext cx="10515600" cy="4351338"/>
           </a:xfrm>
           <a:prstGeom prst="rect">
             <a:avLst/>
@@ -2828,8 +2833,8 @@
         </p:nvSpPr>
         <p:spPr>
           <a:xfrm>
-            <a:off x="628650" y="6356351"/>
-            <a:ext cx="2057400" cy="365125"/>
+            <a:off x="838200" y="6356350"/>
+            <a:ext cx="2743200" cy="365125"/>
           </a:xfrm>
           <a:prstGeom prst="rect">
             <a:avLst/>
@@ -2851,7 +2856,7 @@
           <a:p>
             <a:fld id="{7F320D5F-87AE-4F9B-AA29-07F12C751EA5}" type="datetimeFigureOut">
               <a:rPr kumimoji="1" lang="ja-JP" altLang="en-US" smtClean="0"/>
-              <a:t>2024/7/25</a:t>
+              <a:t>2024/8/29</a:t>
             </a:fld>
             <a:endParaRPr kumimoji="1" lang="ja-JP" altLang="en-US"/>
           </a:p>
@@ -2869,8 +2874,8 @@
         </p:nvSpPr>
         <p:spPr>
           <a:xfrm>
-            <a:off x="3028950" y="6356351"/>
-            <a:ext cx="3086100" cy="365125"/>
+            <a:off x="4038600" y="6356350"/>
+            <a:ext cx="4114800" cy="365125"/>
           </a:xfrm>
           <a:prstGeom prst="rect">
             <a:avLst/>
@@ -2906,8 +2911,8 @@
         </p:nvSpPr>
         <p:spPr>
           <a:xfrm>
-            <a:off x="6457950" y="6356351"/>
-            <a:ext cx="2057400" cy="365125"/>
+            <a:off x="8610600" y="6356350"/>
+            <a:ext cx="2743200" cy="365125"/>
           </a:xfrm>
           <a:prstGeom prst="rect">
             <a:avLst/>
@@ -2938,23 +2943,23 @@
     </p:spTree>
     <p:extLst>
       <p:ext uri="{BB962C8B-B14F-4D97-AF65-F5344CB8AC3E}">
-        <p14:creationId xmlns:p14="http://schemas.microsoft.com/office/powerpoint/2010/main" val="364688304"/>
+        <p14:creationId xmlns:p14="http://schemas.microsoft.com/office/powerpoint/2010/main" val="1073578937"/>
       </p:ext>
     </p:extLst>
   </p:cSld>
   <p:clrMap bg1="lt1" tx1="dk1" bg2="lt2" tx2="dk2" accent1="accent1" accent2="accent2" accent3="accent3" accent4="accent4" accent5="accent5" accent6="accent6" hlink="hlink" folHlink="folHlink"/>
   <p:sldLayoutIdLst>
-    <p:sldLayoutId id="2147483661" r:id="rId1"/>
-    <p:sldLayoutId id="2147483662" r:id="rId2"/>
-    <p:sldLayoutId id="2147483663" r:id="rId3"/>
-    <p:sldLayoutId id="2147483664" r:id="rId4"/>
-    <p:sldLayoutId id="2147483665" r:id="rId5"/>
-    <p:sldLayoutId id="2147483666" r:id="rId6"/>
-    <p:sldLayoutId id="2147483667" r:id="rId7"/>
-    <p:sldLayoutId id="2147483668" r:id="rId8"/>
-    <p:sldLayoutId id="2147483669" r:id="rId9"/>
-    <p:sldLayoutId id="2147483670" r:id="rId10"/>
-    <p:sldLayoutId id="2147483671" r:id="rId11"/>
+    <p:sldLayoutId id="2147483673" r:id="rId1"/>
+    <p:sldLayoutId id="2147483674" r:id="rId2"/>
+    <p:sldLayoutId id="2147483675" r:id="rId3"/>
+    <p:sldLayoutId id="2147483676" r:id="rId4"/>
+    <p:sldLayoutId id="2147483677" r:id="rId5"/>
+    <p:sldLayoutId id="2147483678" r:id="rId6"/>
+    <p:sldLayoutId id="2147483679" r:id="rId7"/>
+    <p:sldLayoutId id="2147483680" r:id="rId8"/>
+    <p:sldLayoutId id="2147483681" r:id="rId9"/>
+    <p:sldLayoutId id="2147483682" r:id="rId10"/>
+    <p:sldLayoutId id="2147483683" r:id="rId11"/>
   </p:sldLayoutIdLst>
   <p:txStyles>
     <p:titleStyle>
@@ -3284,7 +3289,7 @@
         </p:blipFill>
         <p:spPr>
           <a:xfrm>
-            <a:off x="-778727" y="0"/>
+            <a:off x="745274" y="0"/>
             <a:ext cx="10701453" cy="6858000"/>
           </a:xfrm>
           <a:prstGeom prst="rect">
@@ -3306,7 +3311,7 @@
         </p:nvSpPr>
         <p:spPr>
           <a:xfrm>
-            <a:off x="-346509" y="110691"/>
+            <a:off x="1177491" y="110692"/>
             <a:ext cx="216568" cy="139566"/>
           </a:xfrm>
           <a:prstGeom prst="rect">
@@ -3358,7 +3363,7 @@
         </p:nvSpPr>
         <p:spPr>
           <a:xfrm>
-            <a:off x="-346509" y="349719"/>
+            <a:off x="1177491" y="349719"/>
             <a:ext cx="802848" cy="139566"/>
           </a:xfrm>
           <a:prstGeom prst="rect">
@@ -3410,7 +3415,7 @@
         </p:nvSpPr>
         <p:spPr>
           <a:xfrm>
-            <a:off x="424601" y="1848872"/>
+            <a:off x="1948601" y="1848872"/>
             <a:ext cx="802848" cy="139566"/>
           </a:xfrm>
           <a:prstGeom prst="rect">
@@ -3462,7 +3467,7 @@
         </p:nvSpPr>
         <p:spPr>
           <a:xfrm>
-            <a:off x="2460243" y="94880"/>
+            <a:off x="3984244" y="94881"/>
             <a:ext cx="5740633" cy="1200329"/>
           </a:xfrm>
           <a:prstGeom prst="rect">
@@ -3576,8 +3581,8 @@
         </p:nvCxnSpPr>
         <p:spPr>
           <a:xfrm flipH="1" flipV="1">
-            <a:off x="-129941" y="180474"/>
-            <a:ext cx="2590184" cy="514571"/>
+            <a:off x="1394059" y="180475"/>
+            <a:ext cx="2590185" cy="514571"/>
           </a:xfrm>
           <a:prstGeom prst="line">
             <a:avLst/>
@@ -3616,7 +3621,7 @@
         </p:nvCxnSpPr>
         <p:spPr>
           <a:xfrm flipH="1" flipV="1">
-            <a:off x="456339" y="419502"/>
+            <a:off x="1980339" y="419503"/>
             <a:ext cx="2003904" cy="275543"/>
           </a:xfrm>
           <a:prstGeom prst="line">
@@ -3656,7 +3661,7 @@
         </p:nvCxnSpPr>
         <p:spPr>
           <a:xfrm flipH="1">
-            <a:off x="1227449" y="695045"/>
+            <a:off x="2751449" y="695045"/>
             <a:ext cx="1232794" cy="1223610"/>
           </a:xfrm>
           <a:prstGeom prst="line">
